--- a/Documents for Progress/topTagger_MC161718_comparison.pptx
+++ b/Documents for Progress/topTagger_MC161718_comparison.pptx
@@ -7855,21 +7855,8 @@
           <a:p>
             <a:r>
               <a:rPr lang="en-US" sz="2800" u="sng" dirty="0" smtClean="0"/>
-              <a:t>TT Contamination </a:t>
-            </a:r>
-            <a:r>
-              <a:rPr lang="en-US" sz="2800" u="sng" dirty="0" smtClean="0"/>
-              <a:t>2017 </a:t>
-            </a:r>
-            <a:r>
-              <a:rPr lang="en-US" sz="2800" u="sng" dirty="0" smtClean="0"/>
-              <a:t>vs </a:t>
-            </a:r>
-            <a:r>
-              <a:rPr lang="en-US" sz="2800" u="sng" dirty="0" smtClean="0"/>
-              <a:t>2018</a:t>
-            </a:r>
-            <a:endParaRPr lang="en-US" sz="2800" u="sng" dirty="0" smtClean="0"/>
+              <a:t>TT Contamination 2017 vs 2018</a:t>
+            </a:r>
           </a:p>
         </p:txBody>
       </p:sp>
@@ -8835,7 +8822,7 @@
         <p:spPr>
           <a:xfrm>
             <a:off x="270588" y="765109"/>
-            <a:ext cx="11392677" cy="1754326"/>
+            <a:ext cx="11392677" cy="2031325"/>
           </a:xfrm>
           <a:prstGeom prst="rect">
             <a:avLst/>
@@ -8854,8 +8841,13 @@
             </a:pPr>
             <a:r>
               <a:rPr lang="en-US" dirty="0" smtClean="0"/>
-              <a:t>The 2018 efficiencies and acceptances vary compared with 2016 and 2017. I think that we should rethink the working point of the top Tagger for this year.</a:t>
-            </a:r>
+              <a:t>The 2018 efficiencies and acceptances vary compared with 2016 and 2017. I think that we should rethink the working point of the top Tagger for this year</a:t>
+            </a:r>
+            <a:r>
+              <a:rPr lang="en-US" dirty="0" smtClean="0"/>
+              <a:t>. </a:t>
+            </a:r>
+            <a:endParaRPr lang="en-US" dirty="0" smtClean="0"/>
           </a:p>
           <a:p>
             <a:pPr marL="285750" indent="-285750">
@@ -8871,8 +8863,13 @@
             </a:pPr>
             <a:r>
               <a:rPr lang="en-US" dirty="0" smtClean="0"/>
-              <a:t>The QCD 2018 closure test does not show closure for both variables compared with the 2017 QCD closure tests</a:t>
-            </a:r>
+              <a:t>The QCD 2018 closure test does not show closure for both variables compared with the 2017 QCD closure </a:t>
+            </a:r>
+            <a:r>
+              <a:rPr lang="en-US" dirty="0"/>
+              <a:t>tests (Maybe different CMSSW for 2018? )</a:t>
+            </a:r>
+            <a:endParaRPr lang="en-US" dirty="0" smtClean="0"/>
           </a:p>
           <a:p>
             <a:pPr marL="285750" indent="-285750">
@@ -9170,7 +9167,6 @@
               <a:rPr lang="en-US" sz="2800" u="sng" dirty="0" smtClean="0"/>
               <a:t> 2017 vs 2018</a:t>
             </a:r>
-            <a:endParaRPr lang="en-US" sz="2800" u="sng" dirty="0" smtClean="0"/>
           </a:p>
         </p:txBody>
       </p:sp>
@@ -9481,7 +9477,6 @@
               <a:rPr lang="en-US" sz="2800" u="sng" dirty="0" smtClean="0"/>
               <a:t> 2017 vs 2018</a:t>
             </a:r>
-            <a:endParaRPr lang="en-US" sz="2800" u="sng" dirty="0" smtClean="0"/>
           </a:p>
         </p:txBody>
       </p:sp>
@@ -11599,21 +11594,8 @@
           <a:p>
             <a:r>
               <a:rPr lang="en-US" sz="2800" u="sng" dirty="0" smtClean="0"/>
-              <a:t>Acceptance and Efficiency </a:t>
-            </a:r>
-            <a:r>
-              <a:rPr lang="en-US" sz="2800" u="sng" dirty="0" smtClean="0"/>
-              <a:t>2016 </a:t>
-            </a:r>
-            <a:r>
-              <a:rPr lang="en-US" sz="2800" u="sng" dirty="0" smtClean="0"/>
-              <a:t>vs </a:t>
-            </a:r>
-            <a:r>
-              <a:rPr lang="en-US" sz="2800" u="sng" dirty="0" smtClean="0"/>
-              <a:t>2017 vs 2018</a:t>
-            </a:r>
-            <a:endParaRPr lang="en-US" sz="2800" u="sng" dirty="0" smtClean="0"/>
+              <a:t>Acceptance and Efficiency 2016 vs 2017 vs 2018</a:t>
+            </a:r>
           </a:p>
         </p:txBody>
       </p:sp>
@@ -11808,13 +11790,8 @@
           <a:p>
             <a:r>
               <a:rPr lang="en-US" sz="2800" u="sng" dirty="0" smtClean="0"/>
-              <a:t>Signal over Background </a:t>
-            </a:r>
-            <a:r>
-              <a:rPr lang="en-US" sz="2800" u="sng" dirty="0" smtClean="0"/>
-              <a:t>2016 vs 2017 vs 2018</a:t>
-            </a:r>
-            <a:endParaRPr lang="en-US" sz="2800" u="sng" dirty="0" smtClean="0"/>
+              <a:t>Signal over Background 2016 vs 2017 vs 2018</a:t>
+            </a:r>
           </a:p>
         </p:txBody>
       </p:sp>
@@ -12009,21 +11986,8 @@
           <a:p>
             <a:r>
               <a:rPr lang="en-US" sz="2800" u="sng" dirty="0" smtClean="0"/>
-              <a:t>QCD Closure Tests </a:t>
-            </a:r>
-            <a:r>
-              <a:rPr lang="en-US" sz="2800" u="sng" dirty="0" smtClean="0"/>
-              <a:t>2017 </a:t>
-            </a:r>
-            <a:r>
-              <a:rPr lang="en-US" sz="2800" u="sng" dirty="0" smtClean="0"/>
-              <a:t>vs </a:t>
-            </a:r>
-            <a:r>
-              <a:rPr lang="en-US" sz="2800" u="sng" dirty="0" smtClean="0"/>
-              <a:t>2018</a:t>
-            </a:r>
-            <a:endParaRPr lang="en-US" sz="2800" u="sng" dirty="0" smtClean="0"/>
+              <a:t>QCD Closure Tests 2017 vs 2018</a:t>
+            </a:r>
           </a:p>
         </p:txBody>
       </p:sp>
@@ -12278,21 +12242,8 @@
           <a:p>
             <a:r>
               <a:rPr lang="en-US" sz="2800" u="sng" dirty="0" smtClean="0"/>
-              <a:t>QCD Closure Tests </a:t>
-            </a:r>
-            <a:r>
-              <a:rPr lang="en-US" sz="2800" u="sng" dirty="0" smtClean="0"/>
-              <a:t>2017 </a:t>
-            </a:r>
-            <a:r>
-              <a:rPr lang="en-US" sz="2800" u="sng" dirty="0" smtClean="0"/>
-              <a:t>vs </a:t>
-            </a:r>
-            <a:r>
-              <a:rPr lang="en-US" sz="2800" u="sng" dirty="0" smtClean="0"/>
-              <a:t>2018</a:t>
-            </a:r>
-            <a:endParaRPr lang="en-US" sz="2800" u="sng" dirty="0" smtClean="0"/>
+              <a:t>QCD Closure Tests 2017 vs 2018</a:t>
+            </a:r>
           </a:p>
         </p:txBody>
       </p:sp>
@@ -12607,21 +12558,8 @@
           <a:p>
             <a:r>
               <a:rPr lang="en-US" sz="2800" u="sng" dirty="0" smtClean="0"/>
-              <a:t>TT Contamination </a:t>
-            </a:r>
-            <a:r>
-              <a:rPr lang="en-US" sz="2800" u="sng" dirty="0" smtClean="0"/>
-              <a:t>2017 </a:t>
-            </a:r>
-            <a:r>
-              <a:rPr lang="en-US" sz="2800" u="sng" dirty="0" smtClean="0"/>
-              <a:t>vs </a:t>
-            </a:r>
-            <a:r>
-              <a:rPr lang="en-US" sz="2800" u="sng" dirty="0" smtClean="0"/>
-              <a:t>2018</a:t>
-            </a:r>
-            <a:endParaRPr lang="en-US" sz="2800" u="sng" dirty="0" smtClean="0"/>
+              <a:t>TT Contamination 2017 vs 2018</a:t>
+            </a:r>
           </a:p>
         </p:txBody>
       </p:sp>
